--- a/pdf_ppt/3. ROS2/교안_ROS2 터틀봇_바인드소프트_2일차교욱.pptx
+++ b/pdf_ppt/3. ROS2/교안_ROS2 터틀봇_바인드소프트_2일차교욱.pptx
@@ -5,7 +5,7 @@
     <p:sldMasterId id="2147483935" r:id="rId1"/>
   </p:sldMasterIdLst>
   <p:notesMasterIdLst>
-    <p:notesMasterId r:id="rId16"/>
+    <p:notesMasterId r:id="rId15"/>
   </p:notesMasterIdLst>
   <p:sldIdLst>
     <p:sldId id="436" r:id="rId2"/>
@@ -20,8 +20,7 @@
     <p:sldId id="429" r:id="rId11"/>
     <p:sldId id="431" r:id="rId12"/>
     <p:sldId id="432" r:id="rId13"/>
-    <p:sldId id="434" r:id="rId14"/>
-    <p:sldId id="415" r:id="rId15"/>
+    <p:sldId id="415" r:id="rId14"/>
   </p:sldIdLst>
   <p:sldSz cx="9144000" cy="5143500" type="screen16x9"/>
   <p:notesSz cx="9144000" cy="5143500"/>
@@ -221,7 +220,7 @@
           <a:p>
             <a:fld id="{A1A813DA-1389-4022-AE07-7409835CB6E0}" type="datetimeFigureOut">
               <a:rPr lang="ko-KR" altLang="en-US" smtClean="0"/>
-              <a:t>2023-07-03</a:t>
+              <a:t>2023-07-04</a:t>
             </a:fld>
             <a:endParaRPr lang="ko-KR" altLang="en-US"/>
           </a:p>
@@ -1563,7 +1562,7 @@
           <a:p>
             <a:fld id="{1D8BD707-D9CF-40AE-B4C6-C98DA3205C09}" type="datetimeFigureOut">
               <a:rPr lang="en-US" smtClean="0"/>
-              <a:t>7/3/2023</a:t>
+              <a:t>7/4/2023</a:t>
             </a:fld>
             <a:endParaRPr lang="en-US"/>
           </a:p>
@@ -1940,7 +1939,7 @@
           <a:p>
             <a:fld id="{1D8BD707-D9CF-40AE-B4C6-C98DA3205C09}" type="datetimeFigureOut">
               <a:rPr lang="en-US"/>
-              <a:t>7/3/2023</a:t>
+              <a:t>7/4/2023</a:t>
             </a:fld>
             <a:endParaRPr lang="en-US"/>
           </a:p>
@@ -2984,7 +2983,7 @@
           <a:graphicData uri="http://schemas.openxmlformats.org/presentationml/2006/ole">
             <mc:AlternateContent xmlns:mc="http://schemas.openxmlformats.org/markup-compatibility/2006">
               <mc:Choice xmlns:v="urn:schemas-microsoft-com:vml" Requires="v">
-                <p:oleObj spid="_x0000_s14346" name="Bitmap Image" r:id="rId3" imgW="4540320" imgH="2432160" progId="PBrush">
+                <p:oleObj spid="_x0000_s14347" name="Bitmap Image" r:id="rId3" imgW="4540320" imgH="2432160" progId="PBrush">
                   <p:embed/>
                 </p:oleObj>
               </mc:Choice>
@@ -3105,7 +3104,7 @@
           <a:graphicData uri="http://schemas.openxmlformats.org/presentationml/2006/ole">
             <mc:AlternateContent xmlns:mc="http://schemas.openxmlformats.org/markup-compatibility/2006">
               <mc:Choice xmlns:v="urn:schemas-microsoft-com:vml" Requires="v">
-                <p:oleObj spid="_x0000_s15378" name="Bitmap Image" r:id="rId3" imgW="4444920" imgH="3549600" progId="PBrush">
+                <p:oleObj spid="_x0000_s15380" name="Bitmap Image" r:id="rId3" imgW="4444920" imgH="3549600" progId="PBrush">
                   <p:embed/>
                 </p:oleObj>
               </mc:Choice>
@@ -3162,7 +3161,7 @@
           <a:graphicData uri="http://schemas.openxmlformats.org/presentationml/2006/ole">
             <mc:AlternateContent xmlns:mc="http://schemas.openxmlformats.org/markup-compatibility/2006">
               <mc:Choice xmlns:v="urn:schemas-microsoft-com:vml" Requires="v">
-                <p:oleObj spid="_x0000_s15379" name="Bitmap Image" r:id="rId5" imgW="3949560" imgH="2457360" progId="PBrush">
+                <p:oleObj spid="_x0000_s15381" name="Bitmap Image" r:id="rId5" imgW="3949560" imgH="2457360" progId="PBrush">
                   <p:embed/>
                 </p:oleObj>
               </mc:Choice>
@@ -3283,7 +3282,7 @@
           <a:graphicData uri="http://schemas.openxmlformats.org/presentationml/2006/ole">
             <mc:AlternateContent xmlns:mc="http://schemas.openxmlformats.org/markup-compatibility/2006">
               <mc:Choice xmlns:v="urn:schemas-microsoft-com:vml" Requires="v">
-                <p:oleObj spid="_x0000_s16402" name="Bitmap Image" r:id="rId3" imgW="3911760" imgH="3079800" progId="PBrush">
+                <p:oleObj spid="_x0000_s16404" name="Bitmap Image" r:id="rId3" imgW="3911760" imgH="3079800" progId="PBrush">
                   <p:embed/>
                 </p:oleObj>
               </mc:Choice>
@@ -3340,7 +3339,7 @@
           <a:graphicData uri="http://schemas.openxmlformats.org/presentationml/2006/ole">
             <mc:AlternateContent xmlns:mc="http://schemas.openxmlformats.org/markup-compatibility/2006">
               <mc:Choice xmlns:v="urn:schemas-microsoft-com:vml" Requires="v">
-                <p:oleObj spid="_x0000_s16403" name="Bitmap Image" r:id="rId5" imgW="3613320" imgH="1765440" progId="PBrush">
+                <p:oleObj spid="_x0000_s16405" name="Bitmap Image" r:id="rId5" imgW="3613320" imgH="1765440" progId="PBrush">
                   <p:embed/>
                 </p:oleObj>
               </mc:Choice>
@@ -3412,342 +3411,6 @@
           <a:chExt cx="0" cy="0"/>
         </a:xfrm>
       </p:grpSpPr>
-      <p:sp>
-        <p:nvSpPr>
-          <p:cNvPr id="2" name="제목 1"/>
-          <p:cNvSpPr>
-            <a:spLocks noGrp="1"/>
-          </p:cNvSpPr>
-          <p:nvPr>
-            <p:ph type="title"/>
-          </p:nvPr>
-        </p:nvSpPr>
-        <p:spPr/>
-        <p:txBody>
-          <a:bodyPr/>
-          <a:lstStyle/>
-          <a:p>
-            <a:r>
-              <a:rPr lang="en-US" altLang="ko-KR" dirty="0" smtClean="0"/>
-              <a:t>[</a:t>
-            </a:r>
-            <a:r>
-              <a:rPr lang="ko-KR" altLang="en-US" dirty="0" smtClean="0"/>
-              <a:t>실습</a:t>
-            </a:r>
-            <a:r>
-              <a:rPr lang="en-US" altLang="ko-KR" dirty="0" smtClean="0"/>
-              <a:t>]</a:t>
-            </a:r>
-            <a:endParaRPr lang="ko-KR" altLang="en-US" dirty="0"/>
-          </a:p>
-        </p:txBody>
-      </p:sp>
-      <p:sp>
-        <p:nvSpPr>
-          <p:cNvPr id="3" name="내용 개체 틀 2"/>
-          <p:cNvSpPr>
-            <a:spLocks noGrp="1"/>
-          </p:cNvSpPr>
-          <p:nvPr>
-            <p:ph idx="1"/>
-          </p:nvPr>
-        </p:nvSpPr>
-        <p:spPr/>
-        <p:txBody>
-          <a:bodyPr>
-            <a:normAutofit/>
-          </a:bodyPr>
-          <a:lstStyle/>
-          <a:p>
-            <a:pPr marL="0" indent="0">
-              <a:buNone/>
-            </a:pPr>
-            <a:r>
-              <a:rPr lang="en-US" altLang="ko-KR" sz="1600" dirty="0"/>
-              <a:t>1. ROS2 </a:t>
-            </a:r>
-            <a:r>
-              <a:rPr lang="ko-KR" altLang="ko-KR" sz="1600" dirty="0"/>
-              <a:t>에서 중요한 시간에 대한 메시지를 </a:t>
-            </a:r>
-            <a:r>
-              <a:rPr lang="ko-KR" altLang="ko-KR" sz="1600" dirty="0" err="1"/>
-              <a:t>퍼블리쉬</a:t>
-            </a:r>
-            <a:r>
-              <a:rPr lang="ko-KR" altLang="ko-KR" sz="1600" dirty="0"/>
-              <a:t> 해 보자</a:t>
-            </a:r>
-            <a:r>
-              <a:rPr lang="en-US" altLang="ko-KR" sz="1600" dirty="0"/>
-              <a:t>. </a:t>
-            </a:r>
-            <a:endParaRPr lang="ko-KR" altLang="ko-KR" sz="1600" dirty="0"/>
-          </a:p>
-          <a:p>
-            <a:pPr marL="0" indent="0">
-              <a:buNone/>
-            </a:pPr>
-            <a:r>
-              <a:rPr lang="en-US" altLang="ko-KR" sz="1600" dirty="0"/>
-              <a:t> </a:t>
-            </a:r>
-            <a:endParaRPr lang="ko-KR" altLang="ko-KR" sz="1600" dirty="0"/>
-          </a:p>
-          <a:p>
-            <a:pPr marL="0" indent="0">
-              <a:buNone/>
-            </a:pPr>
-            <a:r>
-              <a:rPr lang="en-US" altLang="ko-KR" sz="1600" dirty="0"/>
-              <a:t>2. topic publisher </a:t>
-            </a:r>
-            <a:r>
-              <a:rPr lang="ko-KR" altLang="ko-KR" sz="1600" dirty="0"/>
-              <a:t>의 간단한 형태인</a:t>
-            </a:r>
-            <a:r>
-              <a:rPr lang="en-US" altLang="ko-KR" sz="1600" dirty="0"/>
-              <a:t> mpub.py </a:t>
-            </a:r>
-            <a:r>
-              <a:rPr lang="ko-KR" altLang="ko-KR" sz="1600" dirty="0"/>
-              <a:t>를 변형해서 </a:t>
-            </a:r>
-            <a:r>
-              <a:rPr lang="ko-KR" altLang="ko-KR" sz="1600" dirty="0" err="1"/>
-              <a:t>터틀심을</a:t>
-            </a:r>
-            <a:r>
-              <a:rPr lang="ko-KR" altLang="ko-KR" sz="1600" dirty="0"/>
-              <a:t> 움직여 보자</a:t>
-            </a:r>
-            <a:r>
-              <a:rPr lang="en-US" altLang="ko-KR" sz="1600" dirty="0"/>
-              <a:t>. </a:t>
-            </a:r>
-            <a:endParaRPr lang="ko-KR" altLang="ko-KR" sz="1600" dirty="0"/>
-          </a:p>
-          <a:p>
-            <a:pPr marL="0" indent="0">
-              <a:buNone/>
-            </a:pPr>
-            <a:r>
-              <a:rPr lang="en-US" altLang="ko-KR" sz="1600" dirty="0"/>
-              <a:t> </a:t>
-            </a:r>
-            <a:endParaRPr lang="ko-KR" altLang="ko-KR" sz="1600" dirty="0"/>
-          </a:p>
-          <a:p>
-            <a:pPr marL="0" indent="0">
-              <a:buNone/>
-            </a:pPr>
-            <a:r>
-              <a:rPr lang="en-US" altLang="ko-KR" sz="1600" dirty="0"/>
-              <a:t>3. RQT </a:t>
-            </a:r>
-            <a:r>
-              <a:rPr lang="ko-KR" altLang="ko-KR" sz="1600" dirty="0"/>
-              <a:t>로 노드와 토픽이 어떻게 연결되어 있는지 확인해 보자</a:t>
-            </a:r>
-            <a:r>
-              <a:rPr lang="en-US" altLang="ko-KR" sz="1600" dirty="0"/>
-              <a:t>. </a:t>
-            </a:r>
-            <a:endParaRPr lang="ko-KR" altLang="ko-KR" sz="1600" dirty="0"/>
-          </a:p>
-          <a:p>
-            <a:pPr marL="0" indent="0">
-              <a:buNone/>
-            </a:pPr>
-            <a:r>
-              <a:rPr lang="en-US" altLang="ko-KR" sz="1600" dirty="0"/>
-              <a:t> </a:t>
-            </a:r>
-            <a:endParaRPr lang="ko-KR" altLang="ko-KR" sz="1600" dirty="0"/>
-          </a:p>
-          <a:p>
-            <a:pPr marL="0" indent="0">
-              <a:buNone/>
-            </a:pPr>
-            <a:r>
-              <a:rPr lang="en-US" altLang="ko-KR" sz="1600" dirty="0"/>
-              <a:t>4. spawn </a:t>
-            </a:r>
-            <a:r>
-              <a:rPr lang="ko-KR" altLang="ko-KR" sz="1600" dirty="0"/>
-              <a:t>서비스 명령어를 통해서 </a:t>
-            </a:r>
-            <a:r>
-              <a:rPr lang="ko-KR" altLang="ko-KR" sz="1600" dirty="0" err="1"/>
-              <a:t>터틀을</a:t>
-            </a:r>
-            <a:r>
-              <a:rPr lang="ko-KR" altLang="ko-KR" sz="1600" dirty="0"/>
-              <a:t> 두개 만들고</a:t>
-            </a:r>
-            <a:r>
-              <a:rPr lang="en-US" altLang="ko-KR" sz="1600" dirty="0"/>
-              <a:t> mpub.py </a:t>
-            </a:r>
-            <a:r>
-              <a:rPr lang="ko-KR" altLang="ko-KR" sz="1600" dirty="0"/>
-              <a:t>를 변형해서 두개의 </a:t>
-            </a:r>
-            <a:r>
-              <a:rPr lang="ko-KR" altLang="ko-KR" sz="1600" dirty="0" err="1"/>
-              <a:t>터틀을</a:t>
-            </a:r>
-            <a:r>
-              <a:rPr lang="ko-KR" altLang="ko-KR" sz="1600" dirty="0"/>
-              <a:t> 동시에 움직여 보자</a:t>
-            </a:r>
-            <a:r>
-              <a:rPr lang="en-US" altLang="ko-KR" sz="1600" dirty="0"/>
-              <a:t>.</a:t>
-            </a:r>
-            <a:endParaRPr lang="ko-KR" altLang="ko-KR" sz="1600" dirty="0"/>
-          </a:p>
-          <a:p>
-            <a:pPr marL="0" indent="0">
-              <a:buNone/>
-            </a:pPr>
-            <a:r>
-              <a:rPr lang="en-US" altLang="ko-KR" sz="1600" dirty="0"/>
-              <a:t> </a:t>
-            </a:r>
-            <a:endParaRPr lang="ko-KR" altLang="ko-KR" sz="1600" dirty="0"/>
-          </a:p>
-          <a:p>
-            <a:pPr marL="0" indent="0">
-              <a:buNone/>
-            </a:pPr>
-            <a:r>
-              <a:rPr lang="en-US" altLang="ko-KR" sz="1600" dirty="0"/>
-              <a:t>(ros2 service call /spawn </a:t>
-            </a:r>
-            <a:r>
-              <a:rPr lang="en-US" altLang="ko-KR" sz="1600" dirty="0" err="1"/>
-              <a:t>turtlesim</a:t>
-            </a:r>
-            <a:r>
-              <a:rPr lang="en-US" altLang="ko-KR" sz="1600" dirty="0"/>
-              <a:t>/</a:t>
-            </a:r>
-            <a:r>
-              <a:rPr lang="en-US" altLang="ko-KR" sz="1600" dirty="0" err="1"/>
-              <a:t>srv</a:t>
-            </a:r>
-            <a:r>
-              <a:rPr lang="en-US" altLang="ko-KR" sz="1600" dirty="0"/>
-              <a:t>/Spawn "{x: 5.5 , y: 7.0 , theta: 1.5, name: 'turtle2'}" )  </a:t>
-            </a:r>
-            <a:r>
-              <a:rPr lang="ko-KR" altLang="ko-KR" sz="1600" dirty="0" err="1"/>
-              <a:t>터틀심</a:t>
-            </a:r>
-            <a:r>
-              <a:rPr lang="ko-KR" altLang="ko-KR" sz="1600" dirty="0"/>
-              <a:t> </a:t>
-            </a:r>
-            <a:r>
-              <a:rPr lang="ko-KR" altLang="ko-KR" sz="1600" dirty="0" err="1"/>
-              <a:t>스폰</a:t>
-            </a:r>
-            <a:r>
-              <a:rPr lang="ko-KR" altLang="ko-KR" sz="1600" dirty="0"/>
-              <a:t> 시키기</a:t>
-            </a:r>
-          </a:p>
-          <a:p>
-            <a:pPr marL="0" indent="0">
-              <a:buNone/>
-            </a:pPr>
-            <a:r>
-              <a:rPr lang="en-US" altLang="ko-KR" sz="1600" dirty="0"/>
-              <a:t>(ros2 service call /turtle1/</a:t>
-            </a:r>
-            <a:r>
-              <a:rPr lang="en-US" altLang="ko-KR" sz="1600" dirty="0" err="1"/>
-              <a:t>set_pen</a:t>
-            </a:r>
-            <a:r>
-              <a:rPr lang="en-US" altLang="ko-KR" sz="1600" dirty="0"/>
-              <a:t> </a:t>
-            </a:r>
-            <a:r>
-              <a:rPr lang="en-US" altLang="ko-KR" sz="1600" dirty="0" err="1"/>
-              <a:t>turtlesim</a:t>
-            </a:r>
-            <a:r>
-              <a:rPr lang="en-US" altLang="ko-KR" sz="1600" dirty="0"/>
-              <a:t>/</a:t>
-            </a:r>
-            <a:r>
-              <a:rPr lang="en-US" altLang="ko-KR" sz="1600" dirty="0" err="1"/>
-              <a:t>srv</a:t>
-            </a:r>
-            <a:r>
-              <a:rPr lang="en-US" altLang="ko-KR" sz="1600" dirty="0"/>
-              <a:t>/</a:t>
-            </a:r>
-            <a:r>
-              <a:rPr lang="en-US" altLang="ko-KR" sz="1600" dirty="0" err="1"/>
-              <a:t>SetPen</a:t>
-            </a:r>
-            <a:r>
-              <a:rPr lang="en-US" altLang="ko-KR" sz="1600" dirty="0"/>
-              <a:t> "{r: 100, g: 50, b: 200, width : 5}" ) </a:t>
-            </a:r>
-            <a:r>
-              <a:rPr lang="ko-KR" altLang="ko-KR" sz="1600" dirty="0" err="1"/>
-              <a:t>터틀심</a:t>
-            </a:r>
-            <a:r>
-              <a:rPr lang="ko-KR" altLang="ko-KR" sz="1600" dirty="0"/>
-              <a:t> 궤적의 색 변화 시키기</a:t>
-            </a:r>
-          </a:p>
-        </p:txBody>
-      </p:sp>
-    </p:spTree>
-    <p:extLst>
-      <p:ext uri="{BB962C8B-B14F-4D97-AF65-F5344CB8AC3E}">
-        <p14:creationId xmlns:p14="http://schemas.microsoft.com/office/powerpoint/2010/main" val="1378536601"/>
-      </p:ext>
-    </p:extLst>
-  </p:cSld>
-  <p:clrMapOvr>
-    <a:masterClrMapping/>
-  </p:clrMapOvr>
-  <p:timing>
-    <p:tnLst>
-      <p:par>
-        <p:cTn id="1" dur="indefinite" restart="never" nodeType="tmRoot"/>
-      </p:par>
-    </p:tnLst>
-  </p:timing>
-</p:sld>
-</file>
-
-<file path=ppt/slides/slide14.xml><?xml version="1.0" encoding="utf-8"?>
-<p:sld xmlns:a="http://schemas.openxmlformats.org/drawingml/2006/main" xmlns:r="http://schemas.openxmlformats.org/officeDocument/2006/relationships" xmlns:p="http://schemas.openxmlformats.org/presentationml/2006/main">
-  <p:cSld>
-    <p:spTree>
-      <p:nvGrpSpPr>
-        <p:cNvPr id="1" name=""/>
-        <p:cNvGrpSpPr/>
-        <p:nvPr/>
-      </p:nvGrpSpPr>
-      <p:grpSpPr>
-        <a:xfrm>
-          <a:off x="0" y="0"/>
-          <a:ext cx="0" cy="0"/>
-          <a:chOff x="0" y="0"/>
-          <a:chExt cx="0" cy="0"/>
-        </a:xfrm>
-      </p:grpSpPr>
       <p:graphicFrame>
         <p:nvGraphicFramePr>
           <p:cNvPr id="2" name="개체 1"/>
@@ -3770,7 +3433,7 @@
           <a:graphicData uri="http://schemas.openxmlformats.org/presentationml/2006/ole">
             <mc:AlternateContent xmlns:mc="http://schemas.openxmlformats.org/markup-compatibility/2006">
               <mc:Choice xmlns:v="urn:schemas-microsoft-com:vml" Requires="v">
-                <p:oleObj spid="_x0000_s12305" name="Bitmap Image" r:id="rId3" imgW="5035680" imgH="2717640" progId="PBrush">
+                <p:oleObj spid="_x0000_s12306" name="Bitmap Image" r:id="rId3" imgW="5035680" imgH="2717640" progId="PBrush">
                   <p:embed/>
                 </p:oleObj>
               </mc:Choice>
@@ -5055,11 +4718,7 @@
             </a:r>
             <a:r>
               <a:rPr lang="en-US" altLang="ko-KR" dirty="0" smtClean="0"/>
-              <a:t>/</a:t>
-            </a:r>
-            <a:r>
-              <a:rPr lang="en-US" altLang="ko-KR" dirty="0" smtClean="0"/>
-              <a:t>opt/</a:t>
+              <a:t>/opt/</a:t>
             </a:r>
             <a:r>
               <a:rPr lang="en-US" altLang="ko-KR" dirty="0" err="1" smtClean="0"/>
@@ -12946,7 +12605,7 @@
           <a:graphicData uri="http://schemas.openxmlformats.org/presentationml/2006/ole">
             <mc:AlternateContent xmlns:mc="http://schemas.openxmlformats.org/markup-compatibility/2006">
               <mc:Choice xmlns:v="urn:schemas-microsoft-com:vml" Requires="v">
-                <p:oleObj spid="_x0000_s13330" name="Bitmap Image" r:id="rId4" imgW="5270400" imgH="2019240" progId="PBrush">
+                <p:oleObj spid="_x0000_s13332" name="Bitmap Image" r:id="rId4" imgW="5270400" imgH="2019240" progId="PBrush">
                   <p:embed/>
                 </p:oleObj>
               </mc:Choice>
@@ -13003,7 +12662,7 @@
           <a:graphicData uri="http://schemas.openxmlformats.org/presentationml/2006/ole">
             <mc:AlternateContent xmlns:mc="http://schemas.openxmlformats.org/markup-compatibility/2006">
               <mc:Choice xmlns:v="urn:schemas-microsoft-com:vml" Requires="v">
-                <p:oleObj spid="_x0000_s13331" name="Bitmap Image" r:id="rId6" imgW="4216320" imgH="1486080" progId="PBrush">
+                <p:oleObj spid="_x0000_s13333" name="Bitmap Image" r:id="rId6" imgW="4216320" imgH="1486080" progId="PBrush">
                   <p:embed/>
                 </p:oleObj>
               </mc:Choice>

--- a/pdf_ppt/3. ROS2/교안_ROS2 터틀봇_바인드소프트_2일차교욱.pptx
+++ b/pdf_ppt/3. ROS2/교안_ROS2 터틀봇_바인드소프트_2일차교욱.pptx
@@ -2983,7 +2983,7 @@
           <a:graphicData uri="http://schemas.openxmlformats.org/presentationml/2006/ole">
             <mc:AlternateContent xmlns:mc="http://schemas.openxmlformats.org/markup-compatibility/2006">
               <mc:Choice xmlns:v="urn:schemas-microsoft-com:vml" Requires="v">
-                <p:oleObj spid="_x0000_s14347" name="Bitmap Image" r:id="rId3" imgW="4540320" imgH="2432160" progId="PBrush">
+                <p:oleObj spid="_x0000_s14349" name="Bitmap Image" r:id="rId3" imgW="4540320" imgH="2432160" progId="PBrush">
                   <p:embed/>
                 </p:oleObj>
               </mc:Choice>
@@ -3104,7 +3104,7 @@
           <a:graphicData uri="http://schemas.openxmlformats.org/presentationml/2006/ole">
             <mc:AlternateContent xmlns:mc="http://schemas.openxmlformats.org/markup-compatibility/2006">
               <mc:Choice xmlns:v="urn:schemas-microsoft-com:vml" Requires="v">
-                <p:oleObj spid="_x0000_s15380" name="Bitmap Image" r:id="rId3" imgW="4444920" imgH="3549600" progId="PBrush">
+                <p:oleObj spid="_x0000_s15384" name="Bitmap Image" r:id="rId3" imgW="4444920" imgH="3549600" progId="PBrush">
                   <p:embed/>
                 </p:oleObj>
               </mc:Choice>
@@ -3161,7 +3161,7 @@
           <a:graphicData uri="http://schemas.openxmlformats.org/presentationml/2006/ole">
             <mc:AlternateContent xmlns:mc="http://schemas.openxmlformats.org/markup-compatibility/2006">
               <mc:Choice xmlns:v="urn:schemas-microsoft-com:vml" Requires="v">
-                <p:oleObj spid="_x0000_s15381" name="Bitmap Image" r:id="rId5" imgW="3949560" imgH="2457360" progId="PBrush">
+                <p:oleObj spid="_x0000_s15385" name="Bitmap Image" r:id="rId5" imgW="3949560" imgH="2457360" progId="PBrush">
                   <p:embed/>
                 </p:oleObj>
               </mc:Choice>
@@ -3282,7 +3282,7 @@
           <a:graphicData uri="http://schemas.openxmlformats.org/presentationml/2006/ole">
             <mc:AlternateContent xmlns:mc="http://schemas.openxmlformats.org/markup-compatibility/2006">
               <mc:Choice xmlns:v="urn:schemas-microsoft-com:vml" Requires="v">
-                <p:oleObj spid="_x0000_s16404" name="Bitmap Image" r:id="rId3" imgW="3911760" imgH="3079800" progId="PBrush">
+                <p:oleObj spid="_x0000_s16408" name="Bitmap Image" r:id="rId3" imgW="3911760" imgH="3079800" progId="PBrush">
                   <p:embed/>
                 </p:oleObj>
               </mc:Choice>
@@ -3339,7 +3339,7 @@
           <a:graphicData uri="http://schemas.openxmlformats.org/presentationml/2006/ole">
             <mc:AlternateContent xmlns:mc="http://schemas.openxmlformats.org/markup-compatibility/2006">
               <mc:Choice xmlns:v="urn:schemas-microsoft-com:vml" Requires="v">
-                <p:oleObj spid="_x0000_s16405" name="Bitmap Image" r:id="rId5" imgW="3613320" imgH="1765440" progId="PBrush">
+                <p:oleObj spid="_x0000_s16409" name="Bitmap Image" r:id="rId5" imgW="3613320" imgH="1765440" progId="PBrush">
                   <p:embed/>
                 </p:oleObj>
               </mc:Choice>
@@ -3433,7 +3433,7 @@
           <a:graphicData uri="http://schemas.openxmlformats.org/presentationml/2006/ole">
             <mc:AlternateContent xmlns:mc="http://schemas.openxmlformats.org/markup-compatibility/2006">
               <mc:Choice xmlns:v="urn:schemas-microsoft-com:vml" Requires="v">
-                <p:oleObj spid="_x0000_s12306" name="Bitmap Image" r:id="rId3" imgW="5035680" imgH="2717640" progId="PBrush">
+                <p:oleObj spid="_x0000_s12308" name="Bitmap Image" r:id="rId3" imgW="5035680" imgH="2717640" progId="PBrush">
                   <p:embed/>
                 </p:oleObj>
               </mc:Choice>
@@ -4726,7 +4726,11 @@
             </a:r>
             <a:r>
               <a:rPr lang="en-US" altLang="ko-KR" dirty="0" smtClean="0"/>
-              <a:t>/dashing/… </a:t>
+              <a:t>/dashing</a:t>
+            </a:r>
+            <a:r>
+              <a:rPr lang="en-US" altLang="ko-KR" dirty="0" smtClean="0"/>
+              <a:t>/… </a:t>
             </a:r>
             <a:r>
               <a:rPr lang="ko-KR" altLang="en-US" dirty="0" smtClean="0"/>
@@ -5040,14 +5044,13 @@
           <a:p>
             <a:pPr lvl="1"/>
             <a:r>
-              <a:rPr lang="ko-KR" altLang="en-US" dirty="0" err="1" smtClean="0">
+              <a:rPr lang="ko-KR" altLang="en-US" dirty="0" smtClean="0">
                 <a:solidFill>
                   <a:srgbClr val="333333"/>
                 </a:solidFill>
                 <a:latin typeface="+mj-lt"/>
-                <a:ea typeface="Menlo"/>
-              </a:rPr>
-              <a:t>파이썬</a:t>
+              </a:rPr>
+              <a:t>용량 </a:t>
             </a:r>
             <a:r>
               <a:rPr lang="ko-KR" altLang="en-US" dirty="0" smtClean="0">
@@ -5055,291 +5058,8 @@
                   <a:srgbClr val="333333"/>
                 </a:solidFill>
                 <a:latin typeface="+mj-lt"/>
-                <a:ea typeface="Menlo"/>
-              </a:rPr>
-              <a:t> 버전 변경</a:t>
-            </a:r>
-            <a:r>
-              <a:rPr lang="en-US" altLang="ko-KR" dirty="0" smtClean="0">
-                <a:solidFill>
-                  <a:srgbClr val="333333"/>
-                </a:solidFill>
-                <a:latin typeface="+mj-lt"/>
-                <a:ea typeface="Menlo"/>
-              </a:rPr>
-              <a:t>(python3 : 3.6 -&gt; 3.7) symbolic link python3 </a:t>
-            </a:r>
-            <a:r>
-              <a:rPr lang="ko-KR" altLang="en-US" dirty="0" smtClean="0">
-                <a:solidFill>
-                  <a:srgbClr val="333333"/>
-                </a:solidFill>
-                <a:latin typeface="+mj-lt"/>
-                <a:ea typeface="Menlo"/>
-              </a:rPr>
-              <a:t>변경하기</a:t>
-            </a:r>
-            <a:endParaRPr lang="en-US" altLang="ko-KR" dirty="0">
-              <a:solidFill>
-                <a:srgbClr val="333333"/>
-              </a:solidFill>
-              <a:latin typeface="+mj-lt"/>
-              <a:ea typeface="Menlo"/>
-            </a:endParaRPr>
-          </a:p>
-          <a:p>
-            <a:pPr lvl="1"/>
-            <a:r>
-              <a:rPr lang="ko-KR" altLang="ko-KR" dirty="0" err="1" smtClean="0">
-                <a:solidFill>
-                  <a:srgbClr val="333333"/>
-                </a:solidFill>
-                <a:latin typeface="+mj-lt"/>
-                <a:ea typeface="Menlo"/>
-              </a:rPr>
-              <a:t>sudo</a:t>
-            </a:r>
-            <a:r>
-              <a:rPr lang="ko-KR" altLang="ko-KR" dirty="0" smtClean="0">
-                <a:solidFill>
-                  <a:srgbClr val="333333"/>
-                </a:solidFill>
-                <a:latin typeface="+mj-lt"/>
-                <a:ea typeface="Menlo"/>
-              </a:rPr>
-              <a:t> </a:t>
-            </a:r>
-            <a:r>
-              <a:rPr lang="ko-KR" altLang="ko-KR" dirty="0" err="1">
-                <a:solidFill>
-                  <a:srgbClr val="333333"/>
-                </a:solidFill>
-                <a:latin typeface="+mj-lt"/>
-                <a:ea typeface="Menlo"/>
-              </a:rPr>
-              <a:t>update-alternatives</a:t>
-            </a:r>
-            <a:r>
-              <a:rPr lang="ko-KR" altLang="ko-KR" dirty="0">
-                <a:solidFill>
-                  <a:srgbClr val="333333"/>
-                </a:solidFill>
-                <a:latin typeface="+mj-lt"/>
-                <a:ea typeface="Menlo"/>
-              </a:rPr>
-              <a:t> --</a:t>
-            </a:r>
-            <a:r>
-              <a:rPr lang="ko-KR" altLang="ko-KR" dirty="0" err="1">
-                <a:solidFill>
-                  <a:srgbClr val="333333"/>
-                </a:solidFill>
-                <a:latin typeface="+mj-lt"/>
-                <a:ea typeface="Menlo"/>
-              </a:rPr>
-              <a:t>install</a:t>
-            </a:r>
-            <a:r>
-              <a:rPr lang="ko-KR" altLang="ko-KR" dirty="0">
-                <a:solidFill>
-                  <a:srgbClr val="333333"/>
-                </a:solidFill>
-                <a:latin typeface="+mj-lt"/>
-                <a:ea typeface="Menlo"/>
-              </a:rPr>
-              <a:t> /</a:t>
-            </a:r>
-            <a:r>
-              <a:rPr lang="ko-KR" altLang="ko-KR" dirty="0" err="1" smtClean="0">
-                <a:solidFill>
-                  <a:srgbClr val="333333"/>
-                </a:solidFill>
-                <a:latin typeface="+mj-lt"/>
-                <a:ea typeface="Menlo"/>
-              </a:rPr>
-              <a:t>usr</a:t>
-            </a:r>
-            <a:r>
-              <a:rPr lang="ko-KR" altLang="ko-KR" dirty="0" smtClean="0">
-                <a:solidFill>
-                  <a:srgbClr val="333333"/>
-                </a:solidFill>
-                <a:latin typeface="+mj-lt"/>
-                <a:ea typeface="Menlo"/>
-              </a:rPr>
-              <a:t>/</a:t>
-            </a:r>
-            <a:r>
-              <a:rPr lang="ko-KR" altLang="ko-KR" dirty="0" err="1" smtClean="0">
-                <a:solidFill>
-                  <a:srgbClr val="333333"/>
-                </a:solidFill>
-                <a:latin typeface="+mj-lt"/>
-                <a:ea typeface="Menlo"/>
-              </a:rPr>
-              <a:t>bin</a:t>
-            </a:r>
-            <a:r>
-              <a:rPr lang="ko-KR" altLang="ko-KR" dirty="0" smtClean="0">
-                <a:solidFill>
-                  <a:srgbClr val="333333"/>
-                </a:solidFill>
-                <a:latin typeface="+mj-lt"/>
-                <a:ea typeface="Menlo"/>
-              </a:rPr>
-              <a:t>/</a:t>
-            </a:r>
-            <a:r>
-              <a:rPr lang="ko-KR" altLang="ko-KR" dirty="0" err="1" smtClean="0">
-                <a:solidFill>
-                  <a:srgbClr val="333333"/>
-                </a:solidFill>
-                <a:latin typeface="+mj-lt"/>
-                <a:ea typeface="Menlo"/>
-              </a:rPr>
-              <a:t>python</a:t>
-            </a:r>
-            <a:r>
-              <a:rPr lang="en-US" altLang="ko-KR" dirty="0" smtClean="0">
-                <a:solidFill>
-                  <a:srgbClr val="333333"/>
-                </a:solidFill>
-                <a:latin typeface="+mj-lt"/>
-                <a:ea typeface="Menlo"/>
-              </a:rPr>
-              <a:t>3</a:t>
-            </a:r>
-            <a:r>
-              <a:rPr lang="ko-KR" altLang="ko-KR" dirty="0" smtClean="0">
-                <a:solidFill>
-                  <a:srgbClr val="333333"/>
-                </a:solidFill>
-                <a:latin typeface="+mj-lt"/>
-                <a:ea typeface="Menlo"/>
-              </a:rPr>
-              <a:t> </a:t>
-            </a:r>
-            <a:r>
-              <a:rPr lang="ko-KR" altLang="ko-KR" dirty="0" err="1" smtClean="0">
-                <a:solidFill>
-                  <a:srgbClr val="333333"/>
-                </a:solidFill>
-                <a:latin typeface="+mj-lt"/>
-                <a:ea typeface="Menlo"/>
-              </a:rPr>
-              <a:t>python</a:t>
-            </a:r>
-            <a:r>
-              <a:rPr lang="en-US" altLang="ko-KR" dirty="0" smtClean="0">
-                <a:solidFill>
-                  <a:srgbClr val="333333"/>
-                </a:solidFill>
-                <a:latin typeface="+mj-lt"/>
-                <a:ea typeface="Menlo"/>
-              </a:rPr>
-              <a:t>3</a:t>
-            </a:r>
-            <a:r>
-              <a:rPr lang="ko-KR" altLang="ko-KR" dirty="0" smtClean="0">
-                <a:solidFill>
-                  <a:srgbClr val="333333"/>
-                </a:solidFill>
-                <a:latin typeface="+mj-lt"/>
-                <a:ea typeface="Menlo"/>
-              </a:rPr>
-              <a:t> </a:t>
-            </a:r>
-            <a:r>
-              <a:rPr lang="ko-KR" altLang="ko-KR" dirty="0">
-                <a:solidFill>
-                  <a:srgbClr val="333333"/>
-                </a:solidFill>
-                <a:latin typeface="+mj-lt"/>
-                <a:ea typeface="Menlo"/>
-              </a:rPr>
-              <a:t>/</a:t>
-            </a:r>
-            <a:r>
-              <a:rPr lang="ko-KR" altLang="ko-KR" dirty="0" err="1" smtClean="0">
-                <a:solidFill>
-                  <a:srgbClr val="333333"/>
-                </a:solidFill>
-                <a:latin typeface="+mj-lt"/>
-                <a:ea typeface="Menlo"/>
-              </a:rPr>
-              <a:t>usr</a:t>
-            </a:r>
-            <a:r>
-              <a:rPr lang="ko-KR" altLang="ko-KR" dirty="0" smtClean="0">
-                <a:solidFill>
-                  <a:srgbClr val="333333"/>
-                </a:solidFill>
-                <a:latin typeface="+mj-lt"/>
-                <a:ea typeface="Menlo"/>
-              </a:rPr>
-              <a:t>/</a:t>
-            </a:r>
-            <a:r>
-              <a:rPr lang="ko-KR" altLang="ko-KR" dirty="0" err="1" smtClean="0">
-                <a:solidFill>
-                  <a:srgbClr val="333333"/>
-                </a:solidFill>
-                <a:latin typeface="+mj-lt"/>
-                <a:ea typeface="Menlo"/>
-              </a:rPr>
-              <a:t>bin</a:t>
-            </a:r>
-            <a:r>
-              <a:rPr lang="ko-KR" altLang="ko-KR" dirty="0" smtClean="0">
-                <a:solidFill>
-                  <a:srgbClr val="333333"/>
-                </a:solidFill>
-                <a:latin typeface="+mj-lt"/>
-                <a:ea typeface="Menlo"/>
-              </a:rPr>
-              <a:t>/python3.</a:t>
-            </a:r>
-            <a:r>
-              <a:rPr lang="en-US" altLang="ko-KR" dirty="0" smtClean="0">
-                <a:solidFill>
-                  <a:srgbClr val="333333"/>
-                </a:solidFill>
-                <a:latin typeface="+mj-lt"/>
-                <a:ea typeface="Menlo"/>
-              </a:rPr>
-              <a:t>7</a:t>
-            </a:r>
-            <a:r>
-              <a:rPr lang="ko-KR" altLang="ko-KR" dirty="0" smtClean="0">
-                <a:solidFill>
-                  <a:srgbClr val="333333"/>
-                </a:solidFill>
-                <a:latin typeface="+mj-lt"/>
-                <a:ea typeface="Menlo"/>
-              </a:rPr>
-              <a:t> </a:t>
-            </a:r>
-            <a:r>
-              <a:rPr lang="en-US" altLang="ko-KR" dirty="0" smtClean="0">
-                <a:solidFill>
-                  <a:srgbClr val="333333"/>
-                </a:solidFill>
-                <a:latin typeface="+mj-lt"/>
-                <a:ea typeface="Menlo"/>
-              </a:rPr>
-              <a:t>1</a:t>
-            </a:r>
-          </a:p>
-          <a:p>
-            <a:pPr lvl="1"/>
-            <a:r>
-              <a:rPr lang="ko-KR" altLang="en-US" dirty="0" smtClean="0">
-                <a:solidFill>
-                  <a:srgbClr val="333333"/>
-                </a:solidFill>
-                <a:latin typeface="+mj-lt"/>
-              </a:rPr>
-              <a:t>용량 늘리기 </a:t>
+              </a:rPr>
+              <a:t>늘리기 </a:t>
             </a:r>
             <a:r>
               <a:rPr lang="en-US" altLang="ko-KR" dirty="0" smtClean="0">
@@ -12422,23 +12142,35 @@
             </a:r>
             <a:r>
               <a:rPr lang="en-US" altLang="ko-KR" dirty="0"/>
-              <a:t> create [</a:t>
+              <a:t> create </a:t>
+            </a:r>
+            <a:r>
+              <a:rPr lang="en-US" altLang="ko-KR" dirty="0" smtClean="0"/>
+              <a:t>--</a:t>
+            </a:r>
+            <a:r>
+              <a:rPr lang="en-US" altLang="ko-KR" dirty="0"/>
+              <a:t>build-type </a:t>
+            </a:r>
+            <a:r>
+              <a:rPr lang="en-US" altLang="ko-KR" dirty="0" err="1" smtClean="0"/>
+              <a:t>ament_python</a:t>
+            </a:r>
+            <a:r>
+              <a:rPr lang="en-US" altLang="ko-KR" dirty="0" smtClean="0"/>
+              <a:t> </a:t>
+            </a:r>
+            <a:r>
+              <a:rPr lang="en-US" altLang="ko-KR" dirty="0"/>
+              <a:t>[</a:t>
             </a:r>
             <a:r>
               <a:rPr lang="ko-KR" altLang="ko-KR" dirty="0" err="1"/>
               <a:t>패키지명</a:t>
             </a:r>
             <a:r>
-              <a:rPr lang="en-US" altLang="ko-KR" dirty="0" smtClean="0"/>
-              <a:t>] --</a:t>
-            </a:r>
-            <a:r>
               <a:rPr lang="en-US" altLang="ko-KR" dirty="0"/>
-              <a:t>build-type </a:t>
-            </a:r>
-            <a:r>
-              <a:rPr lang="en-US" altLang="ko-KR" dirty="0" err="1" smtClean="0"/>
-              <a:t>ament_python</a:t>
+              <a:t>] </a:t>
             </a:r>
             <a:r>
               <a:rPr lang="en-US" altLang="ko-KR" dirty="0" smtClean="0"/>
@@ -12605,7 +12337,7 @@
           <a:graphicData uri="http://schemas.openxmlformats.org/presentationml/2006/ole">
             <mc:AlternateContent xmlns:mc="http://schemas.openxmlformats.org/markup-compatibility/2006">
               <mc:Choice xmlns:v="urn:schemas-microsoft-com:vml" Requires="v">
-                <p:oleObj spid="_x0000_s13332" name="Bitmap Image" r:id="rId4" imgW="5270400" imgH="2019240" progId="PBrush">
+                <p:oleObj spid="_x0000_s13336" name="Bitmap Image" r:id="rId4" imgW="5270400" imgH="2019240" progId="PBrush">
                   <p:embed/>
                 </p:oleObj>
               </mc:Choice>
@@ -12662,7 +12394,7 @@
           <a:graphicData uri="http://schemas.openxmlformats.org/presentationml/2006/ole">
             <mc:AlternateContent xmlns:mc="http://schemas.openxmlformats.org/markup-compatibility/2006">
               <mc:Choice xmlns:v="urn:schemas-microsoft-com:vml" Requires="v">
-                <p:oleObj spid="_x0000_s13333" name="Bitmap Image" r:id="rId6" imgW="4216320" imgH="1486080" progId="PBrush">
+                <p:oleObj spid="_x0000_s13337" name="Bitmap Image" r:id="rId6" imgW="4216320" imgH="1486080" progId="PBrush">
                   <p:embed/>
                 </p:oleObj>
               </mc:Choice>

--- a/pdf_ppt/3. ROS2/교안_ROS2 터틀봇_바인드소프트_2일차교욱.pptx
+++ b/pdf_ppt/3. ROS2/교안_ROS2 터틀봇_바인드소프트_2일차교욱.pptx
@@ -220,7 +220,7 @@
           <a:p>
             <a:fld id="{A1A813DA-1389-4022-AE07-7409835CB6E0}" type="datetimeFigureOut">
               <a:rPr lang="ko-KR" altLang="en-US" smtClean="0"/>
-              <a:t>2023-07-04</a:t>
+              <a:t>2023-07-23</a:t>
             </a:fld>
             <a:endParaRPr lang="ko-KR" altLang="en-US"/>
           </a:p>
@@ -1562,7 +1562,7 @@
           <a:p>
             <a:fld id="{1D8BD707-D9CF-40AE-B4C6-C98DA3205C09}" type="datetimeFigureOut">
               <a:rPr lang="en-US" smtClean="0"/>
-              <a:t>7/4/2023</a:t>
+              <a:t>7/23/2023</a:t>
             </a:fld>
             <a:endParaRPr lang="en-US"/>
           </a:p>
@@ -1939,7 +1939,7 @@
           <a:p>
             <a:fld id="{1D8BD707-D9CF-40AE-B4C6-C98DA3205C09}" type="datetimeFigureOut">
               <a:rPr lang="en-US"/>
-              <a:t>7/4/2023</a:t>
+              <a:t>7/23/2023</a:t>
             </a:fld>
             <a:endParaRPr lang="en-US"/>
           </a:p>
@@ -2983,7 +2983,7 @@
           <a:graphicData uri="http://schemas.openxmlformats.org/presentationml/2006/ole">
             <mc:AlternateContent xmlns:mc="http://schemas.openxmlformats.org/markup-compatibility/2006">
               <mc:Choice xmlns:v="urn:schemas-microsoft-com:vml" Requires="v">
-                <p:oleObj spid="_x0000_s14349" name="Bitmap Image" r:id="rId3" imgW="4540320" imgH="2432160" progId="PBrush">
+                <p:oleObj spid="_x0000_s14351" name="Bitmap Image" r:id="rId3" imgW="4540320" imgH="2432160" progId="PBrush">
                   <p:embed/>
                 </p:oleObj>
               </mc:Choice>
@@ -3104,7 +3104,7 @@
           <a:graphicData uri="http://schemas.openxmlformats.org/presentationml/2006/ole">
             <mc:AlternateContent xmlns:mc="http://schemas.openxmlformats.org/markup-compatibility/2006">
               <mc:Choice xmlns:v="urn:schemas-microsoft-com:vml" Requires="v">
-                <p:oleObj spid="_x0000_s15384" name="Bitmap Image" r:id="rId3" imgW="4444920" imgH="3549600" progId="PBrush">
+                <p:oleObj spid="_x0000_s15388" name="Bitmap Image" r:id="rId3" imgW="4444920" imgH="3549600" progId="PBrush">
                   <p:embed/>
                 </p:oleObj>
               </mc:Choice>
@@ -3161,7 +3161,7 @@
           <a:graphicData uri="http://schemas.openxmlformats.org/presentationml/2006/ole">
             <mc:AlternateContent xmlns:mc="http://schemas.openxmlformats.org/markup-compatibility/2006">
               <mc:Choice xmlns:v="urn:schemas-microsoft-com:vml" Requires="v">
-                <p:oleObj spid="_x0000_s15385" name="Bitmap Image" r:id="rId5" imgW="3949560" imgH="2457360" progId="PBrush">
+                <p:oleObj spid="_x0000_s15389" name="Bitmap Image" r:id="rId5" imgW="3949560" imgH="2457360" progId="PBrush">
                   <p:embed/>
                 </p:oleObj>
               </mc:Choice>
@@ -3282,7 +3282,7 @@
           <a:graphicData uri="http://schemas.openxmlformats.org/presentationml/2006/ole">
             <mc:AlternateContent xmlns:mc="http://schemas.openxmlformats.org/markup-compatibility/2006">
               <mc:Choice xmlns:v="urn:schemas-microsoft-com:vml" Requires="v">
-                <p:oleObj spid="_x0000_s16408" name="Bitmap Image" r:id="rId3" imgW="3911760" imgH="3079800" progId="PBrush">
+                <p:oleObj spid="_x0000_s16412" name="Bitmap Image" r:id="rId3" imgW="3911760" imgH="3079800" progId="PBrush">
                   <p:embed/>
                 </p:oleObj>
               </mc:Choice>
@@ -3339,7 +3339,7 @@
           <a:graphicData uri="http://schemas.openxmlformats.org/presentationml/2006/ole">
             <mc:AlternateContent xmlns:mc="http://schemas.openxmlformats.org/markup-compatibility/2006">
               <mc:Choice xmlns:v="urn:schemas-microsoft-com:vml" Requires="v">
-                <p:oleObj spid="_x0000_s16409" name="Bitmap Image" r:id="rId5" imgW="3613320" imgH="1765440" progId="PBrush">
+                <p:oleObj spid="_x0000_s16413" name="Bitmap Image" r:id="rId5" imgW="3613320" imgH="1765440" progId="PBrush">
                   <p:embed/>
                 </p:oleObj>
               </mc:Choice>
@@ -3433,7 +3433,7 @@
           <a:graphicData uri="http://schemas.openxmlformats.org/presentationml/2006/ole">
             <mc:AlternateContent xmlns:mc="http://schemas.openxmlformats.org/markup-compatibility/2006">
               <mc:Choice xmlns:v="urn:schemas-microsoft-com:vml" Requires="v">
-                <p:oleObj spid="_x0000_s12308" name="Bitmap Image" r:id="rId3" imgW="5035680" imgH="2717640" progId="PBrush">
+                <p:oleObj spid="_x0000_s12310" name="Bitmap Image" r:id="rId3" imgW="5035680" imgH="2717640" progId="PBrush">
                   <p:embed/>
                 </p:oleObj>
               </mc:Choice>
@@ -4718,7 +4718,11 @@
             </a:r>
             <a:r>
               <a:rPr lang="en-US" altLang="ko-KR" dirty="0" smtClean="0"/>
-              <a:t>/opt/</a:t>
+              <a:t>/</a:t>
+            </a:r>
+            <a:r>
+              <a:rPr lang="en-US" altLang="ko-KR" dirty="0" smtClean="0"/>
+              <a:t>opt/</a:t>
             </a:r>
             <a:r>
               <a:rPr lang="en-US" altLang="ko-KR" dirty="0" err="1" smtClean="0"/>
@@ -4726,11 +4730,7 @@
             </a:r>
             <a:r>
               <a:rPr lang="en-US" altLang="ko-KR" dirty="0" smtClean="0"/>
-              <a:t>/dashing</a:t>
-            </a:r>
-            <a:r>
-              <a:rPr lang="en-US" altLang="ko-KR" dirty="0" smtClean="0"/>
-              <a:t>/… </a:t>
+              <a:t>/foxy/… </a:t>
             </a:r>
             <a:r>
               <a:rPr lang="ko-KR" altLang="en-US" dirty="0" smtClean="0"/>
@@ -5050,16 +5050,7 @@
                 </a:solidFill>
                 <a:latin typeface="+mj-lt"/>
               </a:rPr>
-              <a:t>용량 </a:t>
-            </a:r>
-            <a:r>
-              <a:rPr lang="ko-KR" altLang="en-US" dirty="0" smtClean="0">
-                <a:solidFill>
-                  <a:srgbClr val="333333"/>
-                </a:solidFill>
-                <a:latin typeface="+mj-lt"/>
-              </a:rPr>
-              <a:t>늘리기 </a:t>
+              <a:t>용량 늘리기 </a:t>
             </a:r>
             <a:r>
               <a:rPr lang="en-US" altLang="ko-KR" dirty="0" smtClean="0">
@@ -5095,7 +5086,7 @@
         </p:nvSpPr>
         <p:spPr>
           <a:xfrm>
-            <a:off x="6858000" y="1200150"/>
+            <a:off x="6904567" y="1206500"/>
             <a:ext cx="2057400" cy="3621897"/>
           </a:xfrm>
           <a:prstGeom prst="rect">
@@ -12337,7 +12328,7 @@
           <a:graphicData uri="http://schemas.openxmlformats.org/presentationml/2006/ole">
             <mc:AlternateContent xmlns:mc="http://schemas.openxmlformats.org/markup-compatibility/2006">
               <mc:Choice xmlns:v="urn:schemas-microsoft-com:vml" Requires="v">
-                <p:oleObj spid="_x0000_s13336" name="Bitmap Image" r:id="rId4" imgW="5270400" imgH="2019240" progId="PBrush">
+                <p:oleObj spid="_x0000_s13340" name="Bitmap Image" r:id="rId4" imgW="5270400" imgH="2019240" progId="PBrush">
                   <p:embed/>
                 </p:oleObj>
               </mc:Choice>
@@ -12394,7 +12385,7 @@
           <a:graphicData uri="http://schemas.openxmlformats.org/presentationml/2006/ole">
             <mc:AlternateContent xmlns:mc="http://schemas.openxmlformats.org/markup-compatibility/2006">
               <mc:Choice xmlns:v="urn:schemas-microsoft-com:vml" Requires="v">
-                <p:oleObj spid="_x0000_s13337" name="Bitmap Image" r:id="rId6" imgW="4216320" imgH="1486080" progId="PBrush">
+                <p:oleObj spid="_x0000_s13341" name="Bitmap Image" r:id="rId6" imgW="4216320" imgH="1486080" progId="PBrush">
                   <p:embed/>
                 </p:oleObj>
               </mc:Choice>
